--- a/lessons/lesson-6/06-evaluating-model-fit.pptx
+++ b/lessons/lesson-6/06-evaluating-model-fit.pptx
@@ -14546,6 +14546,13 @@
   <p:clrMapOvr>
     <a:masterClrMapping/>
   </p:clrMapOvr>
+  <p:timing>
+    <p:tnLst>
+      <p:par>
+        <p:cTn id="1" dur="indefinite" restart="never" nodeType="tmRoot"/>
+      </p:par>
+    </p:tnLst>
+  </p:timing>
 </p:sld>
 </file>
 
@@ -14685,6 +14692,13 @@
   <p:clrMapOvr>
     <a:masterClrMapping/>
   </p:clrMapOvr>
+  <p:timing>
+    <p:tnLst>
+      <p:par>
+        <p:cTn id="1" dur="indefinite" restart="never" nodeType="tmRoot"/>
+      </p:par>
+    </p:tnLst>
+  </p:timing>
 </p:sld>
 </file>
 
@@ -19452,6 +19466,13 @@
   <p:clrMapOvr>
     <a:masterClrMapping/>
   </p:clrMapOvr>
+  <p:timing>
+    <p:tnLst>
+      <p:par>
+        <p:cTn id="1" dur="indefinite" restart="never" nodeType="tmRoot"/>
+      </p:par>
+    </p:tnLst>
+  </p:timing>
 </p:sld>
 </file>
 
@@ -24617,6 +24638,13 @@
   <p:clrMapOvr>
     <a:masterClrMapping/>
   </p:clrMapOvr>
+  <p:timing>
+    <p:tnLst>
+      <p:par>
+        <p:cTn id="1" dur="indefinite" restart="never" nodeType="tmRoot"/>
+      </p:par>
+    </p:tnLst>
+  </p:timing>
 </p:sld>
 </file>
 
@@ -30315,6 +30343,13 @@
   <p:clrMapOvr>
     <a:masterClrMapping/>
   </p:clrMapOvr>
+  <p:timing>
+    <p:tnLst>
+      <p:par>
+        <p:cTn id="1" dur="indefinite" restart="never" nodeType="tmRoot"/>
+      </p:par>
+    </p:tnLst>
+  </p:timing>
 </p:sld>
 </file>
 
@@ -34409,6 +34444,13 @@
   <p:clrMapOvr>
     <a:masterClrMapping/>
   </p:clrMapOvr>
+  <p:timing>
+    <p:tnLst>
+      <p:par>
+        <p:cTn id="1" dur="indefinite" restart="never" nodeType="tmRoot"/>
+      </p:par>
+    </p:tnLst>
+  </p:timing>
 </p:sld>
 </file>
 
@@ -34998,6 +35040,13 @@
   <p:clrMapOvr>
     <a:masterClrMapping/>
   </p:clrMapOvr>
+  <p:timing>
+    <p:tnLst>
+      <p:par>
+        <p:cTn id="1" dur="indefinite" restart="never" nodeType="tmRoot"/>
+      </p:par>
+    </p:tnLst>
+  </p:timing>
 </p:sld>
 </file>
 
@@ -35260,6 +35309,13 @@
   <p:clrMapOvr>
     <a:masterClrMapping/>
   </p:clrMapOvr>
+  <p:timing>
+    <p:tnLst>
+      <p:par>
+        <p:cTn id="1" dur="indefinite" restart="never" nodeType="tmRoot"/>
+      </p:par>
+    </p:tnLst>
+  </p:timing>
 </p:sld>
 </file>
 
@@ -35519,6 +35575,13 @@
   <p:clrMapOvr>
     <a:masterClrMapping/>
   </p:clrMapOvr>
+  <p:timing>
+    <p:tnLst>
+      <p:par>
+        <p:cTn id="1" dur="indefinite" restart="never" nodeType="tmRoot"/>
+      </p:par>
+    </p:tnLst>
+  </p:timing>
 </p:sld>
 </file>
 
@@ -35552,7 +35615,7 @@
         <p:spPr>
           <a:xfrm>
             <a:off x="635006" y="1292775"/>
-            <a:ext cx="11734800" cy="3809999"/>
+            <a:ext cx="11734800" cy="6009725"/>
           </a:xfrm>
           <a:prstGeom prst="rect">
             <a:avLst/>
@@ -35683,14 +35746,10 @@
             </a:endParaRPr>
           </a:p>
           <a:p>
-            <a:pPr lvl="0" rtl="0">
+            <a:pPr lvl="0">
               <a:lnSpc>
                 <a:spcPct val="145000"/>
               </a:lnSpc>
-              <a:spcBef>
-                <a:spcPts val="0"/>
-              </a:spcBef>
-              <a:buNone/>
             </a:pPr>
             <a:r>
               <a:rPr lang="en-US" sz="2400" dirty="0">
@@ -35705,27 +35764,12 @@
                 <a:cs typeface="Arial" charset="0"/>
                 <a:sym typeface="Consolas"/>
               </a:rPr>
-              <a:t>from</a:t>
-            </a:r>
-            <a:r>
-              <a:rPr lang="en-US" sz="2400" dirty="0">
-                <a:solidFill>
-                  <a:srgbClr val="333333"/>
-                </a:solidFill>
-                <a:highlight>
-                  <a:srgbClr val="F7F7F7"/>
-                </a:highlight>
-                <a:latin typeface="Arial" charset="0"/>
-                <a:ea typeface="Arial" charset="0"/>
-                <a:cs typeface="Arial" charset="0"/>
-                <a:sym typeface="Consolas"/>
-              </a:rPr>
-              <a:t> </a:t>
+              <a:t>from </a:t>
             </a:r>
             <a:r>
               <a:rPr lang="en-US" sz="2400" dirty="0" err="1">
                 <a:solidFill>
-                  <a:srgbClr val="333333"/>
+                  <a:srgbClr val="A71D5D"/>
                 </a:solidFill>
                 <a:highlight>
                   <a:srgbClr val="F7F7F7"/>
@@ -35740,21 +35784,6 @@
             <a:r>
               <a:rPr lang="en-US" sz="2400" dirty="0">
                 <a:solidFill>
-                  <a:srgbClr val="333333"/>
-                </a:solidFill>
-                <a:highlight>
-                  <a:srgbClr val="F7F7F7"/>
-                </a:highlight>
-                <a:latin typeface="Arial" charset="0"/>
-                <a:ea typeface="Arial" charset="0"/>
-                <a:cs typeface="Arial" charset="0"/>
-                <a:sym typeface="Consolas"/>
-              </a:rPr>
-              <a:t> </a:t>
-            </a:r>
-            <a:r>
-              <a:rPr lang="en-US" sz="2400" dirty="0">
-                <a:solidFill>
                   <a:srgbClr val="A71D5D"/>
                 </a:solidFill>
                 <a:highlight>
@@ -35765,108 +35794,389 @@
                 <a:cs typeface="Arial" charset="0"/>
                 <a:sym typeface="Consolas"/>
               </a:rPr>
-              <a:t>import</a:t>
-            </a:r>
-            <a:r>
-              <a:rPr lang="en-US" sz="2400" dirty="0">
-                <a:solidFill>
-                  <a:srgbClr val="333333"/>
-                </a:solidFill>
-                <a:highlight>
-                  <a:srgbClr val="F7F7F7"/>
-                </a:highlight>
-                <a:latin typeface="Arial" charset="0"/>
-                <a:ea typeface="Arial" charset="0"/>
-                <a:cs typeface="Arial" charset="0"/>
-                <a:sym typeface="Consolas"/>
-              </a:rPr>
-              <a:t> metrics</a:t>
-            </a:r>
-            <a:br>
-              <a:rPr lang="en-US" sz="2400" dirty="0">
-                <a:solidFill>
-                  <a:srgbClr val="333333"/>
-                </a:solidFill>
-                <a:highlight>
-                  <a:srgbClr val="F7F7F7"/>
-                </a:highlight>
-                <a:latin typeface="Arial" charset="0"/>
-                <a:ea typeface="Arial" charset="0"/>
-                <a:cs typeface="Arial" charset="0"/>
-                <a:sym typeface="Consolas"/>
-              </a:rPr>
-            </a:br>
-            <a:r>
-              <a:rPr lang="en-US" sz="2400" dirty="0" err="1">
-                <a:solidFill>
-                  <a:srgbClr val="333333"/>
-                </a:solidFill>
-                <a:highlight>
-                  <a:srgbClr val="F7F7F7"/>
-                </a:highlight>
-                <a:latin typeface="Arial" charset="0"/>
-                <a:ea typeface="Arial" charset="0"/>
-                <a:cs typeface="Arial" charset="0"/>
-                <a:sym typeface="Consolas"/>
-              </a:rPr>
-              <a:t>metrics.mean_squared_error</a:t>
-            </a:r>
-            <a:r>
-              <a:rPr lang="en-US" sz="2400" dirty="0">
-                <a:solidFill>
-                  <a:srgbClr val="333333"/>
-                </a:solidFill>
-                <a:highlight>
-                  <a:srgbClr val="F7F7F7"/>
-                </a:highlight>
-                <a:latin typeface="Arial" charset="0"/>
-                <a:ea typeface="Arial" charset="0"/>
-                <a:cs typeface="Arial" charset="0"/>
-                <a:sym typeface="Consolas"/>
-              </a:rPr>
-              <a:t>(y, </a:t>
-            </a:r>
-            <a:r>
-              <a:rPr lang="en-US" sz="2400" dirty="0" err="1">
-                <a:solidFill>
-                  <a:srgbClr val="333333"/>
-                </a:solidFill>
-                <a:highlight>
-                  <a:srgbClr val="F7F7F7"/>
-                </a:highlight>
-                <a:latin typeface="Arial" charset="0"/>
-                <a:ea typeface="Arial" charset="0"/>
-                <a:cs typeface="Arial" charset="0"/>
-                <a:sym typeface="Consolas"/>
-              </a:rPr>
-              <a:t>model.predict</a:t>
-            </a:r>
-            <a:r>
-              <a:rPr lang="en-US" sz="2400" dirty="0">
-                <a:solidFill>
-                  <a:srgbClr val="333333"/>
-                </a:solidFill>
-                <a:highlight>
-                  <a:srgbClr val="F7F7F7"/>
-                </a:highlight>
-                <a:latin typeface="Arial" charset="0"/>
-                <a:ea typeface="Arial" charset="0"/>
-                <a:cs typeface="Arial" charset="0"/>
-                <a:sym typeface="Consolas"/>
-              </a:rPr>
-              <a:t>(X))</a:t>
-            </a:r>
-          </a:p>
-          <a:p>
-            <a:pPr lvl="0" rtl="0">
+              <a:t> import </a:t>
+            </a:r>
+            <a:r>
+              <a:rPr lang="en-US" sz="2400" dirty="0" smtClean="0">
+                <a:solidFill>
+                  <a:srgbClr val="A71D5D"/>
+                </a:solidFill>
+                <a:highlight>
+                  <a:srgbClr val="F7F7F7"/>
+                </a:highlight>
+                <a:latin typeface="Arial" charset="0"/>
+                <a:ea typeface="Arial" charset="0"/>
+                <a:cs typeface="Arial" charset="0"/>
+                <a:sym typeface="Consolas"/>
+              </a:rPr>
+              <a:t>metrics </a:t>
+            </a:r>
+          </a:p>
+          <a:p>
+            <a:pPr lvl="0">
               <a:lnSpc>
                 <a:spcPct val="145000"/>
               </a:lnSpc>
-              <a:spcBef>
-                <a:spcPts val="0"/>
-              </a:spcBef>
-              <a:buNone/>
-            </a:pPr>
+            </a:pPr>
+            <a:r>
+              <a:rPr lang="en-US" sz="2400" dirty="0" smtClean="0">
+                <a:solidFill>
+                  <a:srgbClr val="A71D5D"/>
+                </a:solidFill>
+                <a:highlight>
+                  <a:srgbClr val="F7F7F7"/>
+                </a:highlight>
+                <a:latin typeface="Arial" charset="0"/>
+                <a:ea typeface="Arial" charset="0"/>
+                <a:cs typeface="Arial" charset="0"/>
+                <a:sym typeface="Consolas"/>
+              </a:rPr>
+              <a:t>y </a:t>
+            </a:r>
+            <a:r>
+              <a:rPr lang="en-US" sz="2400" dirty="0">
+                <a:solidFill>
+                  <a:srgbClr val="A71D5D"/>
+                </a:solidFill>
+                <a:highlight>
+                  <a:srgbClr val="F7F7F7"/>
+                </a:highlight>
+                <a:latin typeface="Arial" charset="0"/>
+                <a:ea typeface="Arial" charset="0"/>
+                <a:cs typeface="Arial" charset="0"/>
+                <a:sym typeface="Consolas"/>
+              </a:rPr>
+              <a:t>= </a:t>
+            </a:r>
+            <a:r>
+              <a:rPr lang="en-US" sz="2400" dirty="0" err="1">
+                <a:solidFill>
+                  <a:srgbClr val="A71D5D"/>
+                </a:solidFill>
+                <a:highlight>
+                  <a:srgbClr val="F7F7F7"/>
+                </a:highlight>
+                <a:latin typeface="Arial" charset="0"/>
+                <a:ea typeface="Arial" charset="0"/>
+                <a:cs typeface="Arial" charset="0"/>
+                <a:sym typeface="Consolas"/>
+              </a:rPr>
+              <a:t>bike_data</a:t>
+            </a:r>
+            <a:r>
+              <a:rPr lang="en-US" sz="2400" dirty="0">
+                <a:solidFill>
+                  <a:srgbClr val="A71D5D"/>
+                </a:solidFill>
+                <a:highlight>
+                  <a:srgbClr val="F7F7F7"/>
+                </a:highlight>
+                <a:latin typeface="Arial" charset="0"/>
+                <a:ea typeface="Arial" charset="0"/>
+                <a:cs typeface="Arial" charset="0"/>
+                <a:sym typeface="Consolas"/>
+              </a:rPr>
+              <a:t>['registered</a:t>
+            </a:r>
+            <a:r>
+              <a:rPr lang="en-US" sz="2400" dirty="0" smtClean="0">
+                <a:solidFill>
+                  <a:srgbClr val="A71D5D"/>
+                </a:solidFill>
+                <a:highlight>
+                  <a:srgbClr val="F7F7F7"/>
+                </a:highlight>
+                <a:latin typeface="Arial" charset="0"/>
+                <a:ea typeface="Arial" charset="0"/>
+                <a:cs typeface="Arial" charset="0"/>
+                <a:sym typeface="Consolas"/>
+              </a:rPr>
+              <a:t>']</a:t>
+            </a:r>
+          </a:p>
+          <a:p>
+            <a:pPr lvl="0">
+              <a:lnSpc>
+                <a:spcPct val="145000"/>
+              </a:lnSpc>
+            </a:pPr>
+            <a:r>
+              <a:rPr lang="en-US" sz="2400" dirty="0" smtClean="0">
+                <a:solidFill>
+                  <a:srgbClr val="A71D5D"/>
+                </a:solidFill>
+                <a:highlight>
+                  <a:srgbClr val="F7F7F7"/>
+                </a:highlight>
+                <a:latin typeface="Arial" charset="0"/>
+                <a:ea typeface="Arial" charset="0"/>
+                <a:cs typeface="Arial" charset="0"/>
+                <a:sym typeface="Consolas"/>
+              </a:rPr>
+              <a:t>x </a:t>
+            </a:r>
+            <a:r>
+              <a:rPr lang="en-US" sz="2400" dirty="0">
+                <a:solidFill>
+                  <a:srgbClr val="A71D5D"/>
+                </a:solidFill>
+                <a:highlight>
+                  <a:srgbClr val="F7F7F7"/>
+                </a:highlight>
+                <a:latin typeface="Arial" charset="0"/>
+                <a:ea typeface="Arial" charset="0"/>
+                <a:cs typeface="Arial" charset="0"/>
+                <a:sym typeface="Consolas"/>
+              </a:rPr>
+              <a:t>= </a:t>
+            </a:r>
+            <a:r>
+              <a:rPr lang="en-US" sz="2400" dirty="0" err="1">
+                <a:solidFill>
+                  <a:srgbClr val="A71D5D"/>
+                </a:solidFill>
+                <a:highlight>
+                  <a:srgbClr val="F7F7F7"/>
+                </a:highlight>
+                <a:latin typeface="Arial" charset="0"/>
+                <a:ea typeface="Arial" charset="0"/>
+                <a:cs typeface="Arial" charset="0"/>
+                <a:sym typeface="Consolas"/>
+              </a:rPr>
+              <a:t>bike_data</a:t>
+            </a:r>
+            <a:r>
+              <a:rPr lang="en-US" sz="2400" dirty="0">
+                <a:solidFill>
+                  <a:srgbClr val="A71D5D"/>
+                </a:solidFill>
+                <a:highlight>
+                  <a:srgbClr val="F7F7F7"/>
+                </a:highlight>
+                <a:latin typeface="Arial" charset="0"/>
+                <a:ea typeface="Arial" charset="0"/>
+                <a:cs typeface="Arial" charset="0"/>
+                <a:sym typeface="Consolas"/>
+              </a:rPr>
+              <a:t>[['temp', 'hum</a:t>
+            </a:r>
+            <a:r>
+              <a:rPr lang="en-US" sz="2400" dirty="0" smtClean="0">
+                <a:solidFill>
+                  <a:srgbClr val="A71D5D"/>
+                </a:solidFill>
+                <a:highlight>
+                  <a:srgbClr val="F7F7F7"/>
+                </a:highlight>
+                <a:latin typeface="Arial" charset="0"/>
+                <a:ea typeface="Arial" charset="0"/>
+                <a:cs typeface="Arial" charset="0"/>
+                <a:sym typeface="Consolas"/>
+              </a:rPr>
+              <a:t>']]</a:t>
+            </a:r>
+          </a:p>
+          <a:p>
+            <a:pPr lvl="0">
+              <a:lnSpc>
+                <a:spcPct val="145000"/>
+              </a:lnSpc>
+            </a:pPr>
+            <a:endParaRPr lang="en-US" sz="2400" dirty="0">
+              <a:solidFill>
+                <a:srgbClr val="A71D5D"/>
+              </a:solidFill>
+              <a:highlight>
+                <a:srgbClr val="F7F7F7"/>
+              </a:highlight>
+              <a:latin typeface="Arial" charset="0"/>
+              <a:ea typeface="Arial" charset="0"/>
+              <a:cs typeface="Arial" charset="0"/>
+              <a:sym typeface="Consolas"/>
+            </a:endParaRPr>
+          </a:p>
+          <a:p>
+            <a:pPr lvl="0">
+              <a:lnSpc>
+                <a:spcPct val="145000"/>
+              </a:lnSpc>
+            </a:pPr>
+            <a:r>
+              <a:rPr lang="en-US" sz="2400" dirty="0" smtClean="0">
+                <a:solidFill>
+                  <a:srgbClr val="A71D5D"/>
+                </a:solidFill>
+                <a:highlight>
+                  <a:srgbClr val="F7F7F7"/>
+                </a:highlight>
+                <a:latin typeface="Arial" charset="0"/>
+                <a:ea typeface="Arial" charset="0"/>
+                <a:cs typeface="Arial" charset="0"/>
+                <a:sym typeface="Consolas"/>
+              </a:rPr>
+              <a:t>lm </a:t>
+            </a:r>
+            <a:r>
+              <a:rPr lang="en-US" sz="2400" dirty="0">
+                <a:solidFill>
+                  <a:srgbClr val="A71D5D"/>
+                </a:solidFill>
+                <a:highlight>
+                  <a:srgbClr val="F7F7F7"/>
+                </a:highlight>
+                <a:latin typeface="Arial" charset="0"/>
+                <a:ea typeface="Arial" charset="0"/>
+                <a:cs typeface="Arial" charset="0"/>
+                <a:sym typeface="Consolas"/>
+              </a:rPr>
+              <a:t>= </a:t>
+            </a:r>
+            <a:r>
+              <a:rPr lang="en-US" sz="2400" dirty="0" err="1">
+                <a:solidFill>
+                  <a:srgbClr val="A71D5D"/>
+                </a:solidFill>
+                <a:highlight>
+                  <a:srgbClr val="F7F7F7"/>
+                </a:highlight>
+                <a:latin typeface="Arial" charset="0"/>
+                <a:ea typeface="Arial" charset="0"/>
+                <a:cs typeface="Arial" charset="0"/>
+                <a:sym typeface="Consolas"/>
+              </a:rPr>
+              <a:t>linear_model.LinearRegression</a:t>
+            </a:r>
+            <a:r>
+              <a:rPr lang="en-US" sz="2400" dirty="0">
+                <a:solidFill>
+                  <a:srgbClr val="A71D5D"/>
+                </a:solidFill>
+                <a:highlight>
+                  <a:srgbClr val="F7F7F7"/>
+                </a:highlight>
+                <a:latin typeface="Arial" charset="0"/>
+                <a:ea typeface="Arial" charset="0"/>
+                <a:cs typeface="Arial" charset="0"/>
+                <a:sym typeface="Consolas"/>
+              </a:rPr>
+              <a:t>().fit(x, y</a:t>
+            </a:r>
+            <a:r>
+              <a:rPr lang="en-US" sz="2400" dirty="0" smtClean="0">
+                <a:solidFill>
+                  <a:srgbClr val="A71D5D"/>
+                </a:solidFill>
+                <a:highlight>
+                  <a:srgbClr val="F7F7F7"/>
+                </a:highlight>
+                <a:latin typeface="Arial" charset="0"/>
+                <a:ea typeface="Arial" charset="0"/>
+                <a:cs typeface="Arial" charset="0"/>
+                <a:sym typeface="Consolas"/>
+              </a:rPr>
+              <a:t>)</a:t>
+            </a:r>
+          </a:p>
+          <a:p>
+            <a:pPr lvl="0">
+              <a:lnSpc>
+                <a:spcPct val="145000"/>
+              </a:lnSpc>
+            </a:pPr>
+            <a:endParaRPr lang="en-US" sz="2400" dirty="0">
+              <a:solidFill>
+                <a:srgbClr val="A71D5D"/>
+              </a:solidFill>
+              <a:highlight>
+                <a:srgbClr val="F7F7F7"/>
+              </a:highlight>
+              <a:latin typeface="Arial" charset="0"/>
+              <a:ea typeface="Arial" charset="0"/>
+              <a:cs typeface="Arial" charset="0"/>
+              <a:sym typeface="Consolas"/>
+            </a:endParaRPr>
+          </a:p>
+          <a:p>
+            <a:pPr lvl="0">
+              <a:lnSpc>
+                <a:spcPct val="145000"/>
+              </a:lnSpc>
+            </a:pPr>
+            <a:r>
+              <a:rPr lang="en-US" sz="2400" dirty="0" err="1" smtClean="0">
+                <a:solidFill>
+                  <a:srgbClr val="A71D5D"/>
+                </a:solidFill>
+                <a:highlight>
+                  <a:srgbClr val="F7F7F7"/>
+                </a:highlight>
+                <a:latin typeface="Arial" charset="0"/>
+                <a:ea typeface="Arial" charset="0"/>
+                <a:cs typeface="Arial" charset="0"/>
+                <a:sym typeface="Consolas"/>
+              </a:rPr>
+              <a:t>metrics.mean_squared_error</a:t>
+            </a:r>
+            <a:r>
+              <a:rPr lang="en-US" sz="2400" dirty="0" smtClean="0">
+                <a:solidFill>
+                  <a:srgbClr val="A71D5D"/>
+                </a:solidFill>
+                <a:highlight>
+                  <a:srgbClr val="F7F7F7"/>
+                </a:highlight>
+                <a:latin typeface="Arial" charset="0"/>
+                <a:ea typeface="Arial" charset="0"/>
+                <a:cs typeface="Arial" charset="0"/>
+                <a:sym typeface="Consolas"/>
+              </a:rPr>
+              <a:t>(y</a:t>
+            </a:r>
+            <a:r>
+              <a:rPr lang="en-US" sz="2400" dirty="0">
+                <a:solidFill>
+                  <a:srgbClr val="A71D5D"/>
+                </a:solidFill>
+                <a:highlight>
+                  <a:srgbClr val="F7F7F7"/>
+                </a:highlight>
+                <a:latin typeface="Arial" charset="0"/>
+                <a:ea typeface="Arial" charset="0"/>
+                <a:cs typeface="Arial" charset="0"/>
+                <a:sym typeface="Consolas"/>
+              </a:rPr>
+              <a:t>, </a:t>
+            </a:r>
+            <a:r>
+              <a:rPr lang="en-US" sz="2400" dirty="0" err="1">
+                <a:solidFill>
+                  <a:srgbClr val="A71D5D"/>
+                </a:solidFill>
+                <a:highlight>
+                  <a:srgbClr val="F7F7F7"/>
+                </a:highlight>
+                <a:latin typeface="Arial" charset="0"/>
+                <a:ea typeface="Arial" charset="0"/>
+                <a:cs typeface="Arial" charset="0"/>
+                <a:sym typeface="Consolas"/>
+              </a:rPr>
+              <a:t>lm.predict</a:t>
+            </a:r>
+            <a:r>
+              <a:rPr lang="en-US" sz="2400" dirty="0">
+                <a:solidFill>
+                  <a:srgbClr val="A71D5D"/>
+                </a:solidFill>
+                <a:highlight>
+                  <a:srgbClr val="F7F7F7"/>
+                </a:highlight>
+                <a:latin typeface="Arial" charset="0"/>
+                <a:ea typeface="Arial" charset="0"/>
+                <a:cs typeface="Arial" charset="0"/>
+                <a:sym typeface="Consolas"/>
+              </a:rPr>
+              <a:t>(x))</a:t>
+            </a:r>
             <a:endParaRPr sz="1600" dirty="0">
               <a:solidFill>
                 <a:srgbClr val="333333"/>
@@ -35957,6 +36267,13 @@
   <p:clrMapOvr>
     <a:masterClrMapping/>
   </p:clrMapOvr>
+  <p:timing>
+    <p:tnLst>
+      <p:par>
+        <p:cTn id="1" dur="indefinite" restart="never" nodeType="tmRoot"/>
+      </p:par>
+    </p:tnLst>
+  </p:timing>
 </p:sld>
 </file>
 
